--- a/Organisation/Rendus/Présentation Janvier 2024.pptx
+++ b/Organisation/Rendus/Présentation Janvier 2024.pptx
@@ -12,6 +12,8 @@
     <p:sldId id="261" r:id="rId6"/>
     <p:sldId id="262" r:id="rId7"/>
     <p:sldId id="263" r:id="rId8"/>
+    <p:sldId id="264" r:id="rId9"/>
+    <p:sldId id="265" r:id="rId10"/>
   </p:sldIdLst>
   <p:sldSz cx="12192000" cy="6858000"/>
   <p:notesSz cx="6858000" cy="9144000"/>
@@ -110,6 +112,11 @@
       </a:defRPr>
     </a:lvl9pPr>
   </p:defaultTextStyle>
+  <p:extLst>
+    <p:ext uri="{EFAFB233-063F-42B5-8137-9DF3F51BA10A}">
+      <p15:sldGuideLst xmlns:p15="http://schemas.microsoft.com/office/powerpoint/2012/main"/>
+    </p:ext>
+  </p:extLst>
 </p:presentation>
 </file>
 
@@ -330,6 +337,18 @@
   <p:clrMapOvr>
     <a:masterClrMapping/>
   </p:clrMapOvr>
+  <mc:AlternateContent xmlns:mc="http://schemas.openxmlformats.org/markup-compatibility/2006">
+    <mc:Choice xmlns:p159="http://schemas.microsoft.com/office/powerpoint/2015/09/main" Requires="p159">
+      <p:transition xmlns:p14="http://schemas.microsoft.com/office/powerpoint/2010/main" spd="slow" p14:dur="1500">
+        <p159:morph option="byWord"/>
+      </p:transition>
+    </mc:Choice>
+    <mc:Fallback>
+      <p:transition spd="slow">
+        <p:fade/>
+      </p:transition>
+    </mc:Fallback>
+  </mc:AlternateContent>
 </p:sldLayout>
 </file>
 
@@ -528,6 +547,18 @@
   <p:clrMapOvr>
     <a:masterClrMapping/>
   </p:clrMapOvr>
+  <mc:AlternateContent xmlns:mc="http://schemas.openxmlformats.org/markup-compatibility/2006">
+    <mc:Choice xmlns:p159="http://schemas.microsoft.com/office/powerpoint/2015/09/main" Requires="p159">
+      <p:transition xmlns:p14="http://schemas.microsoft.com/office/powerpoint/2010/main" spd="slow" p14:dur="1500">
+        <p159:morph option="byWord"/>
+      </p:transition>
+    </mc:Choice>
+    <mc:Fallback>
+      <p:transition spd="slow">
+        <p:fade/>
+      </p:transition>
+    </mc:Fallback>
+  </mc:AlternateContent>
 </p:sldLayout>
 </file>
 
@@ -736,6 +767,18 @@
   <p:clrMapOvr>
     <a:masterClrMapping/>
   </p:clrMapOvr>
+  <mc:AlternateContent xmlns:mc="http://schemas.openxmlformats.org/markup-compatibility/2006">
+    <mc:Choice xmlns:p159="http://schemas.microsoft.com/office/powerpoint/2015/09/main" Requires="p159">
+      <p:transition xmlns:p14="http://schemas.microsoft.com/office/powerpoint/2010/main" spd="slow" p14:dur="1500">
+        <p159:morph option="byWord"/>
+      </p:transition>
+    </mc:Choice>
+    <mc:Fallback>
+      <p:transition spd="slow">
+        <p:fade/>
+      </p:transition>
+    </mc:Fallback>
+  </mc:AlternateContent>
 </p:sldLayout>
 </file>
 
@@ -934,6 +977,18 @@
   <p:clrMapOvr>
     <a:masterClrMapping/>
   </p:clrMapOvr>
+  <mc:AlternateContent xmlns:mc="http://schemas.openxmlformats.org/markup-compatibility/2006">
+    <mc:Choice xmlns:p159="http://schemas.microsoft.com/office/powerpoint/2015/09/main" Requires="p159">
+      <p:transition xmlns:p14="http://schemas.microsoft.com/office/powerpoint/2010/main" spd="slow" p14:dur="1500">
+        <p159:morph option="byWord"/>
+      </p:transition>
+    </mc:Choice>
+    <mc:Fallback>
+      <p:transition spd="slow">
+        <p:fade/>
+      </p:transition>
+    </mc:Fallback>
+  </mc:AlternateContent>
 </p:sldLayout>
 </file>
 
@@ -1209,6 +1264,18 @@
   <p:clrMapOvr>
     <a:masterClrMapping/>
   </p:clrMapOvr>
+  <mc:AlternateContent xmlns:mc="http://schemas.openxmlformats.org/markup-compatibility/2006">
+    <mc:Choice xmlns:p159="http://schemas.microsoft.com/office/powerpoint/2015/09/main" Requires="p159">
+      <p:transition xmlns:p14="http://schemas.microsoft.com/office/powerpoint/2010/main" spd="slow" p14:dur="1500">
+        <p159:morph option="byWord"/>
+      </p:transition>
+    </mc:Choice>
+    <mc:Fallback>
+      <p:transition spd="slow">
+        <p:fade/>
+      </p:transition>
+    </mc:Fallback>
+  </mc:AlternateContent>
 </p:sldLayout>
 </file>
 
@@ -1474,6 +1541,18 @@
   <p:clrMapOvr>
     <a:masterClrMapping/>
   </p:clrMapOvr>
+  <mc:AlternateContent xmlns:mc="http://schemas.openxmlformats.org/markup-compatibility/2006">
+    <mc:Choice xmlns:p159="http://schemas.microsoft.com/office/powerpoint/2015/09/main" Requires="p159">
+      <p:transition xmlns:p14="http://schemas.microsoft.com/office/powerpoint/2010/main" spd="slow" p14:dur="1500">
+        <p159:morph option="byWord"/>
+      </p:transition>
+    </mc:Choice>
+    <mc:Fallback>
+      <p:transition spd="slow">
+        <p:fade/>
+      </p:transition>
+    </mc:Fallback>
+  </mc:AlternateContent>
 </p:sldLayout>
 </file>
 
@@ -1886,6 +1965,18 @@
   <p:clrMapOvr>
     <a:masterClrMapping/>
   </p:clrMapOvr>
+  <mc:AlternateContent xmlns:mc="http://schemas.openxmlformats.org/markup-compatibility/2006">
+    <mc:Choice xmlns:p159="http://schemas.microsoft.com/office/powerpoint/2015/09/main" Requires="p159">
+      <p:transition xmlns:p14="http://schemas.microsoft.com/office/powerpoint/2010/main" spd="slow" p14:dur="1500">
+        <p159:morph option="byWord"/>
+      </p:transition>
+    </mc:Choice>
+    <mc:Fallback>
+      <p:transition spd="slow">
+        <p:fade/>
+      </p:transition>
+    </mc:Fallback>
+  </mc:AlternateContent>
 </p:sldLayout>
 </file>
 
@@ -2027,6 +2118,18 @@
   <p:clrMapOvr>
     <a:masterClrMapping/>
   </p:clrMapOvr>
+  <mc:AlternateContent xmlns:mc="http://schemas.openxmlformats.org/markup-compatibility/2006">
+    <mc:Choice xmlns:p159="http://schemas.microsoft.com/office/powerpoint/2015/09/main" Requires="p159">
+      <p:transition xmlns:p14="http://schemas.microsoft.com/office/powerpoint/2010/main" spd="slow" p14:dur="1500">
+        <p159:morph option="byWord"/>
+      </p:transition>
+    </mc:Choice>
+    <mc:Fallback>
+      <p:transition spd="slow">
+        <p:fade/>
+      </p:transition>
+    </mc:Fallback>
+  </mc:AlternateContent>
 </p:sldLayout>
 </file>
 
@@ -2140,6 +2243,18 @@
   <p:clrMapOvr>
     <a:masterClrMapping/>
   </p:clrMapOvr>
+  <mc:AlternateContent xmlns:mc="http://schemas.openxmlformats.org/markup-compatibility/2006">
+    <mc:Choice xmlns:p159="http://schemas.microsoft.com/office/powerpoint/2015/09/main" Requires="p159">
+      <p:transition xmlns:p14="http://schemas.microsoft.com/office/powerpoint/2010/main" spd="slow" p14:dur="1500">
+        <p159:morph option="byWord"/>
+      </p:transition>
+    </mc:Choice>
+    <mc:Fallback>
+      <p:transition spd="slow">
+        <p:fade/>
+      </p:transition>
+    </mc:Fallback>
+  </mc:AlternateContent>
 </p:sldLayout>
 </file>
 
@@ -2451,6 +2566,18 @@
   <p:clrMapOvr>
     <a:masterClrMapping/>
   </p:clrMapOvr>
+  <mc:AlternateContent xmlns:mc="http://schemas.openxmlformats.org/markup-compatibility/2006">
+    <mc:Choice xmlns:p159="http://schemas.microsoft.com/office/powerpoint/2015/09/main" Requires="p159">
+      <p:transition xmlns:p14="http://schemas.microsoft.com/office/powerpoint/2010/main" spd="slow" p14:dur="1500">
+        <p159:morph option="byWord"/>
+      </p:transition>
+    </mc:Choice>
+    <mc:Fallback>
+      <p:transition spd="slow">
+        <p:fade/>
+      </p:transition>
+    </mc:Fallback>
+  </mc:AlternateContent>
 </p:sldLayout>
 </file>
 
@@ -2739,6 +2866,18 @@
   <p:clrMapOvr>
     <a:masterClrMapping/>
   </p:clrMapOvr>
+  <mc:AlternateContent xmlns:mc="http://schemas.openxmlformats.org/markup-compatibility/2006">
+    <mc:Choice xmlns:p159="http://schemas.microsoft.com/office/powerpoint/2015/09/main" Requires="p159">
+      <p:transition xmlns:p14="http://schemas.microsoft.com/office/powerpoint/2010/main" spd="slow" p14:dur="1500">
+        <p159:morph option="byWord"/>
+      </p:transition>
+    </mc:Choice>
+    <mc:Fallback>
+      <p:transition spd="slow">
+        <p:fade/>
+      </p:transition>
+    </mc:Fallback>
+  </mc:AlternateContent>
 </p:sldLayout>
 </file>
 
@@ -3027,6 +3166,18 @@
     <p:sldLayoutId id="2147483658" r:id="rId10"/>
     <p:sldLayoutId id="2147483659" r:id="rId11"/>
   </p:sldLayoutIdLst>
+  <mc:AlternateContent xmlns:mc="http://schemas.openxmlformats.org/markup-compatibility/2006">
+    <mc:Choice xmlns:p159="http://schemas.microsoft.com/office/powerpoint/2015/09/main" Requires="p159">
+      <p:transition xmlns:p14="http://schemas.microsoft.com/office/powerpoint/2010/main" spd="slow" p14:dur="1500">
+        <p159:morph option="byWord"/>
+      </p:transition>
+    </mc:Choice>
+    <mc:Fallback>
+      <p:transition spd="slow">
+        <p:fade/>
+      </p:transition>
+    </mc:Fallback>
+  </mc:AlternateContent>
   <p:txStyles>
     <p:titleStyle>
       <a:lvl1pPr algn="l" defTabSz="914400" rtl="0" eaLnBrk="1" latinLnBrk="0" hangingPunct="1">
@@ -3557,6 +3708,48 @@
           </a:p>
         </p:txBody>
       </p:sp>
+      <p:sp>
+        <p:nvSpPr>
+          <p:cNvPr id="4" name="ZoneTexte 3">
+            <a:extLst>
+              <a:ext uri="{FF2B5EF4-FFF2-40B4-BE49-F238E27FC236}">
+                <a16:creationId xmlns:a16="http://schemas.microsoft.com/office/drawing/2014/main" id="{F6E3C2BB-6B50-F7F3-39F8-DFF6EF493835}"/>
+              </a:ext>
+            </a:extLst>
+          </p:cNvPr>
+          <p:cNvSpPr txBox="1"/>
+          <p:nvPr/>
+        </p:nvSpPr>
+        <p:spPr>
+          <a:xfrm>
+            <a:off x="0" y="6611779"/>
+            <a:ext cx="3461657" cy="246221"/>
+          </a:xfrm>
+          <a:prstGeom prst="rect">
+            <a:avLst/>
+          </a:prstGeom>
+          <a:noFill/>
+        </p:spPr>
+        <p:txBody>
+          <a:bodyPr wrap="square" rtlCol="0">
+            <a:spAutoFit/>
+          </a:bodyPr>
+          <a:lstStyle/>
+          <a:p>
+            <a:r>
+              <a:rPr lang="fr-FR" sz="1000" dirty="0">
+                <a:solidFill>
+                  <a:srgbClr val="0893C4"/>
+                </a:solidFill>
+                <a:latin typeface="Inter" panose="02000503000000020004" pitchFamily="2" charset="0"/>
+                <a:ea typeface="Inter" panose="02000503000000020004" pitchFamily="2" charset="0"/>
+                <a:cs typeface="Inter" panose="02000503000000020004" pitchFamily="2" charset="0"/>
+              </a:rPr>
+              <a:t>Sommaire</a:t>
+            </a:r>
+          </a:p>
+        </p:txBody>
+      </p:sp>
     </p:spTree>
     <p:extLst>
       <p:ext uri="{BB962C8B-B14F-4D97-AF65-F5344CB8AC3E}">
@@ -3567,6 +3760,18 @@
   <p:clrMapOvr>
     <a:overrideClrMapping bg1="dk1" tx1="lt1" bg2="dk2" tx2="lt2" accent1="accent1" accent2="accent2" accent3="accent3" accent4="accent4" accent5="accent5" accent6="accent6" hlink="hlink" folHlink="folHlink"/>
   </p:clrMapOvr>
+  <mc:AlternateContent xmlns:mc="http://schemas.openxmlformats.org/markup-compatibility/2006">
+    <mc:Choice xmlns:p159="http://schemas.microsoft.com/office/powerpoint/2015/09/main" Requires="p159">
+      <p:transition xmlns:p14="http://schemas.microsoft.com/office/powerpoint/2010/main" spd="slow" p14:dur="1500">
+        <p159:morph option="byWord"/>
+      </p:transition>
+    </mc:Choice>
+    <mc:Fallback>
+      <p:transition spd="slow">
+        <p:fade/>
+      </p:transition>
+    </mc:Fallback>
+  </mc:AlternateContent>
 </p:sld>
 </file>
 
@@ -4033,6 +4238,48 @@
           </a:p>
         </p:txBody>
       </p:sp>
+      <p:sp>
+        <p:nvSpPr>
+          <p:cNvPr id="2" name="ZoneTexte 1">
+            <a:extLst>
+              <a:ext uri="{FF2B5EF4-FFF2-40B4-BE49-F238E27FC236}">
+                <a16:creationId xmlns:a16="http://schemas.microsoft.com/office/drawing/2014/main" id="{1C6AB79B-3507-BA3A-7721-FCBB584998DD}"/>
+              </a:ext>
+            </a:extLst>
+          </p:cNvPr>
+          <p:cNvSpPr txBox="1"/>
+          <p:nvPr/>
+        </p:nvSpPr>
+        <p:spPr>
+          <a:xfrm>
+            <a:off x="0" y="6611779"/>
+            <a:ext cx="3461657" cy="246221"/>
+          </a:xfrm>
+          <a:prstGeom prst="rect">
+            <a:avLst/>
+          </a:prstGeom>
+          <a:noFill/>
+        </p:spPr>
+        <p:txBody>
+          <a:bodyPr wrap="square" rtlCol="0">
+            <a:spAutoFit/>
+          </a:bodyPr>
+          <a:lstStyle/>
+          <a:p>
+            <a:r>
+              <a:rPr lang="fr-FR" sz="1000" dirty="0">
+                <a:solidFill>
+                  <a:srgbClr val="0893C4"/>
+                </a:solidFill>
+                <a:latin typeface="Inter" panose="02000503000000020004" pitchFamily="2" charset="0"/>
+                <a:ea typeface="Inter" panose="02000503000000020004" pitchFamily="2" charset="0"/>
+                <a:cs typeface="Inter" panose="02000503000000020004" pitchFamily="2" charset="0"/>
+              </a:rPr>
+              <a:t>Technologies utilisées</a:t>
+            </a:r>
+          </a:p>
+        </p:txBody>
+      </p:sp>
     </p:spTree>
     <p:extLst>
       <p:ext uri="{BB962C8B-B14F-4D97-AF65-F5344CB8AC3E}">
@@ -4043,6 +4290,18 @@
   <p:clrMapOvr>
     <a:overrideClrMapping bg1="dk1" tx1="lt1" bg2="dk2" tx2="lt2" accent1="accent1" accent2="accent2" accent3="accent3" accent4="accent4" accent5="accent5" accent6="accent6" hlink="hlink" folHlink="folHlink"/>
   </p:clrMapOvr>
+  <mc:AlternateContent xmlns:mc="http://schemas.openxmlformats.org/markup-compatibility/2006">
+    <mc:Choice xmlns:p159="http://schemas.microsoft.com/office/powerpoint/2015/09/main" Requires="p159">
+      <p:transition xmlns:p14="http://schemas.microsoft.com/office/powerpoint/2010/main" spd="slow" p14:dur="1500">
+        <p159:morph option="byWord"/>
+      </p:transition>
+    </mc:Choice>
+    <mc:Fallback>
+      <p:transition spd="slow">
+        <p:fade/>
+      </p:transition>
+    </mc:Fallback>
+  </mc:AlternateContent>
 </p:sld>
 </file>
 
@@ -4162,7 +4421,7 @@
         </p:blipFill>
         <p:spPr>
           <a:xfrm>
-            <a:off x="20" y="10"/>
+            <a:off x="0" y="0"/>
             <a:ext cx="12191980" cy="6857990"/>
           </a:xfrm>
           <a:prstGeom prst="rect">
@@ -4240,243 +4499,161 @@
           </a:p>
         </p:txBody>
       </p:sp>
-      <p:sp>
-        <p:nvSpPr>
-          <p:cNvPr id="10" name="Espace réservé du contenu 2">
-            <a:extLst>
-              <a:ext uri="{FF2B5EF4-FFF2-40B4-BE49-F238E27FC236}">
-                <a16:creationId xmlns:a16="http://schemas.microsoft.com/office/drawing/2014/main" id="{76E67D25-F766-D18F-41FA-61B910250F22}"/>
-              </a:ext>
-            </a:extLst>
-          </p:cNvPr>
-          <p:cNvSpPr txBox="1">
-            <a:spLocks/>
-          </p:cNvSpPr>
+      <p:pic>
+        <p:nvPicPr>
+          <p:cNvPr id="3" name="Graphique 2">
+            <a:extLst>
+              <a:ext uri="{FF2B5EF4-FFF2-40B4-BE49-F238E27FC236}">
+                <a16:creationId xmlns:a16="http://schemas.microsoft.com/office/drawing/2014/main" id="{D9822FB1-AAD5-BBD3-5265-3A8BFD1230E6}"/>
+              </a:ext>
+            </a:extLst>
+          </p:cNvPr>
+          <p:cNvPicPr>
+            <a:picLocks noChangeAspect="1"/>
+          </p:cNvPicPr>
           <p:nvPr/>
-        </p:nvSpPr>
+        </p:nvPicPr>
+        <p:blipFill>
+          <a:blip r:embed="rId3">
+            <a:extLst>
+              <a:ext uri="{28A0092B-C50C-407E-A947-70E740481C1C}">
+                <a14:useLocalDpi xmlns:a14="http://schemas.microsoft.com/office/drawing/2010/main" val="0"/>
+              </a:ext>
+              <a:ext uri="{96DAC541-7B7A-43D3-8B79-37D633B846F1}">
+                <asvg:svgBlip xmlns:asvg="http://schemas.microsoft.com/office/drawing/2016/SVG/main" r:embed="rId4"/>
+              </a:ext>
+            </a:extLst>
+          </a:blip>
+          <a:stretch>
+            <a:fillRect/>
+          </a:stretch>
+        </p:blipFill>
         <p:spPr>
           <a:xfrm>
-            <a:off x="838200" y="1825625"/>
-            <a:ext cx="10515600" cy="4351338"/>
+            <a:off x="1068841" y="2292414"/>
+            <a:ext cx="3292632" cy="3613864"/>
           </a:xfrm>
           <a:prstGeom prst="rect">
             <a:avLst/>
           </a:prstGeom>
-          <a:ln/>
-          <a:effectLst>
-            <a:glow>
-              <a:srgbClr val="000000"/>
-            </a:glow>
-          </a:effectLst>
         </p:spPr>
-        <p:txBody>
-          <a:bodyPr vert="horz" lIns="91440" tIns="45720" rIns="91440" bIns="45720" rtlCol="0">
-            <a:normAutofit/>
+      </p:pic>
+      <p:pic>
+        <p:nvPicPr>
+          <p:cNvPr id="5" name="Graphique 4">
+            <a:extLst>
+              <a:ext uri="{FF2B5EF4-FFF2-40B4-BE49-F238E27FC236}">
+                <a16:creationId xmlns:a16="http://schemas.microsoft.com/office/drawing/2014/main" id="{819393FB-5B2A-0C0A-70D4-E99844229B9A}"/>
+              </a:ext>
+            </a:extLst>
+          </p:cNvPr>
+          <p:cNvPicPr>
+            <a:picLocks noChangeAspect="1"/>
+          </p:cNvPicPr>
+          <p:nvPr/>
+        </p:nvPicPr>
+        <p:blipFill>
+          <a:blip r:embed="rId5">
+            <a:extLst>
+              <a:ext uri="{28A0092B-C50C-407E-A947-70E740481C1C}">
+                <a14:useLocalDpi xmlns:a14="http://schemas.microsoft.com/office/drawing/2010/main" val="0"/>
+              </a:ext>
+              <a:ext uri="{96DAC541-7B7A-43D3-8B79-37D633B846F1}">
+                <asvg:svgBlip xmlns:asvg="http://schemas.microsoft.com/office/drawing/2016/SVG/main" r:embed="rId6"/>
+              </a:ext>
+            </a:extLst>
+          </a:blip>
+          <a:stretch>
+            <a:fillRect/>
+          </a:stretch>
+        </p:blipFill>
+        <p:spPr>
+          <a:xfrm>
+            <a:off x="5296148" y="1859755"/>
+            <a:ext cx="5961177" cy="2087094"/>
+          </a:xfrm>
+          <a:prstGeom prst="rect">
+            <a:avLst/>
+          </a:prstGeom>
+        </p:spPr>
+      </p:pic>
+      <p:pic>
+        <p:nvPicPr>
+          <p:cNvPr id="8" name="Graphique 7">
+            <a:extLst>
+              <a:ext uri="{FF2B5EF4-FFF2-40B4-BE49-F238E27FC236}">
+                <a16:creationId xmlns:a16="http://schemas.microsoft.com/office/drawing/2014/main" id="{ECE3DC38-0F5E-D4C7-571C-612A7AED98C7}"/>
+              </a:ext>
+            </a:extLst>
+          </p:cNvPr>
+          <p:cNvPicPr>
+            <a:picLocks noChangeAspect="1"/>
+          </p:cNvPicPr>
+          <p:nvPr/>
+        </p:nvPicPr>
+        <p:blipFill>
+          <a:blip r:embed="rId7">
+            <a:extLst>
+              <a:ext uri="{28A0092B-C50C-407E-A947-70E740481C1C}">
+                <a14:useLocalDpi xmlns:a14="http://schemas.microsoft.com/office/drawing/2010/main" val="0"/>
+              </a:ext>
+              <a:ext uri="{96DAC541-7B7A-43D3-8B79-37D633B846F1}">
+                <asvg:svgBlip xmlns:asvg="http://schemas.microsoft.com/office/drawing/2016/SVG/main" r:embed="rId8"/>
+              </a:ext>
+            </a:extLst>
+          </a:blip>
+          <a:stretch>
+            <a:fillRect/>
+          </a:stretch>
+        </p:blipFill>
+        <p:spPr>
+          <a:xfrm>
+            <a:off x="4280865" y="3819909"/>
+            <a:ext cx="4962525" cy="2562225"/>
+          </a:xfrm>
+          <a:prstGeom prst="rect">
+            <a:avLst/>
+          </a:prstGeom>
+        </p:spPr>
+      </p:pic>
+      <p:sp>
+        <p:nvSpPr>
+          <p:cNvPr id="11" name="ZoneTexte 10">
+            <a:extLst>
+              <a:ext uri="{FF2B5EF4-FFF2-40B4-BE49-F238E27FC236}">
+                <a16:creationId xmlns:a16="http://schemas.microsoft.com/office/drawing/2014/main" id="{C2BEA02A-2627-C5E5-2757-0811371A6652}"/>
+              </a:ext>
+            </a:extLst>
+          </p:cNvPr>
+          <p:cNvSpPr txBox="1"/>
+          <p:nvPr/>
+        </p:nvSpPr>
+        <p:spPr>
+          <a:xfrm>
+            <a:off x="0" y="6611779"/>
+            <a:ext cx="3461657" cy="246221"/>
+          </a:xfrm>
+          <a:prstGeom prst="rect">
+            <a:avLst/>
+          </a:prstGeom>
+          <a:noFill/>
+        </p:spPr>
+        <p:txBody>
+          <a:bodyPr wrap="square" rtlCol="0">
+            <a:spAutoFit/>
           </a:bodyPr>
-          <a:lstStyle>
-            <a:lvl1pPr marL="0" indent="0" algn="ctr" defTabSz="914400" rtl="0" eaLnBrk="1" latinLnBrk="0" hangingPunct="1">
-              <a:lnSpc>
-                <a:spcPct val="90000"/>
-              </a:lnSpc>
-              <a:spcBef>
-                <a:spcPts val="1000"/>
-              </a:spcBef>
-              <a:buFont typeface="Arial" panose="020B0604020202020204" pitchFamily="34" charset="0"/>
-              <a:buNone/>
-              <a:defRPr sz="2400" kern="1200">
+          <a:lstStyle/>
+          <a:p>
+            <a:r>
+              <a:rPr lang="fr-FR" sz="1000" dirty="0">
                 <a:solidFill>
-                  <a:schemeClr val="tx1"/>
+                  <a:srgbClr val="0893C4"/>
                 </a:solidFill>
-                <a:latin typeface="+mn-lt"/>
-                <a:ea typeface="+mn-ea"/>
-                <a:cs typeface="+mn-cs"/>
-              </a:defRPr>
-            </a:lvl1pPr>
-            <a:lvl2pPr marL="457200" indent="0" algn="ctr" defTabSz="914400" rtl="0" eaLnBrk="1" latinLnBrk="0" hangingPunct="1">
-              <a:lnSpc>
-                <a:spcPct val="90000"/>
-              </a:lnSpc>
-              <a:spcBef>
-                <a:spcPts val="500"/>
-              </a:spcBef>
-              <a:buFont typeface="Arial" panose="020B0604020202020204" pitchFamily="34" charset="0"/>
-              <a:buNone/>
-              <a:defRPr sz="2000" kern="1200">
-                <a:solidFill>
-                  <a:schemeClr val="tx1"/>
-                </a:solidFill>
-                <a:latin typeface="+mn-lt"/>
-                <a:ea typeface="+mn-ea"/>
-                <a:cs typeface="+mn-cs"/>
-              </a:defRPr>
-            </a:lvl2pPr>
-            <a:lvl3pPr marL="914400" indent="0" algn="ctr" defTabSz="914400" rtl="0" eaLnBrk="1" latinLnBrk="0" hangingPunct="1">
-              <a:lnSpc>
-                <a:spcPct val="90000"/>
-              </a:lnSpc>
-              <a:spcBef>
-                <a:spcPts val="500"/>
-              </a:spcBef>
-              <a:buFont typeface="Arial" panose="020B0604020202020204" pitchFamily="34" charset="0"/>
-              <a:buNone/>
-              <a:defRPr sz="1800" kern="1200">
-                <a:solidFill>
-                  <a:schemeClr val="tx1"/>
-                </a:solidFill>
-                <a:latin typeface="+mn-lt"/>
-                <a:ea typeface="+mn-ea"/>
-                <a:cs typeface="+mn-cs"/>
-              </a:defRPr>
-            </a:lvl3pPr>
-            <a:lvl4pPr marL="1371600" indent="0" algn="ctr" defTabSz="914400" rtl="0" eaLnBrk="1" latinLnBrk="0" hangingPunct="1">
-              <a:lnSpc>
-                <a:spcPct val="90000"/>
-              </a:lnSpc>
-              <a:spcBef>
-                <a:spcPts val="500"/>
-              </a:spcBef>
-              <a:buFont typeface="Arial" panose="020B0604020202020204" pitchFamily="34" charset="0"/>
-              <a:buNone/>
-              <a:defRPr sz="1600" kern="1200">
-                <a:solidFill>
-                  <a:schemeClr val="tx1"/>
-                </a:solidFill>
-                <a:latin typeface="+mn-lt"/>
-                <a:ea typeface="+mn-ea"/>
-                <a:cs typeface="+mn-cs"/>
-              </a:defRPr>
-            </a:lvl4pPr>
-            <a:lvl5pPr marL="1828800" indent="0" algn="ctr" defTabSz="914400" rtl="0" eaLnBrk="1" latinLnBrk="0" hangingPunct="1">
-              <a:lnSpc>
-                <a:spcPct val="90000"/>
-              </a:lnSpc>
-              <a:spcBef>
-                <a:spcPts val="500"/>
-              </a:spcBef>
-              <a:buFont typeface="Arial" panose="020B0604020202020204" pitchFamily="34" charset="0"/>
-              <a:buNone/>
-              <a:defRPr sz="1600" kern="1200">
-                <a:solidFill>
-                  <a:schemeClr val="tx1"/>
-                </a:solidFill>
-                <a:latin typeface="+mn-lt"/>
-                <a:ea typeface="+mn-ea"/>
-                <a:cs typeface="+mn-cs"/>
-              </a:defRPr>
-            </a:lvl5pPr>
-            <a:lvl6pPr marL="2286000" indent="0" algn="ctr" defTabSz="914400" rtl="0" eaLnBrk="1" latinLnBrk="0" hangingPunct="1">
-              <a:lnSpc>
-                <a:spcPct val="90000"/>
-              </a:lnSpc>
-              <a:spcBef>
-                <a:spcPts val="500"/>
-              </a:spcBef>
-              <a:buFont typeface="Arial" panose="020B0604020202020204" pitchFamily="34" charset="0"/>
-              <a:buNone/>
-              <a:defRPr sz="1600" kern="1200">
-                <a:solidFill>
-                  <a:schemeClr val="tx1"/>
-                </a:solidFill>
-                <a:latin typeface="+mn-lt"/>
-                <a:ea typeface="+mn-ea"/>
-                <a:cs typeface="+mn-cs"/>
-              </a:defRPr>
-            </a:lvl6pPr>
-            <a:lvl7pPr marL="2743200" indent="0" algn="ctr" defTabSz="914400" rtl="0" eaLnBrk="1" latinLnBrk="0" hangingPunct="1">
-              <a:lnSpc>
-                <a:spcPct val="90000"/>
-              </a:lnSpc>
-              <a:spcBef>
-                <a:spcPts val="500"/>
-              </a:spcBef>
-              <a:buFont typeface="Arial" panose="020B0604020202020204" pitchFamily="34" charset="0"/>
-              <a:buNone/>
-              <a:defRPr sz="1600" kern="1200">
-                <a:solidFill>
-                  <a:schemeClr val="tx1"/>
-                </a:solidFill>
-                <a:latin typeface="+mn-lt"/>
-                <a:ea typeface="+mn-ea"/>
-                <a:cs typeface="+mn-cs"/>
-              </a:defRPr>
-            </a:lvl7pPr>
-            <a:lvl8pPr marL="3200400" indent="0" algn="ctr" defTabSz="914400" rtl="0" eaLnBrk="1" latinLnBrk="0" hangingPunct="1">
-              <a:lnSpc>
-                <a:spcPct val="90000"/>
-              </a:lnSpc>
-              <a:spcBef>
-                <a:spcPts val="500"/>
-              </a:spcBef>
-              <a:buFont typeface="Arial" panose="020B0604020202020204" pitchFamily="34" charset="0"/>
-              <a:buNone/>
-              <a:defRPr sz="1600" kern="1200">
-                <a:solidFill>
-                  <a:schemeClr val="tx1"/>
-                </a:solidFill>
-                <a:latin typeface="+mn-lt"/>
-                <a:ea typeface="+mn-ea"/>
-                <a:cs typeface="+mn-cs"/>
-              </a:defRPr>
-            </a:lvl8pPr>
-            <a:lvl9pPr marL="3657600" indent="0" algn="ctr" defTabSz="914400" rtl="0" eaLnBrk="1" latinLnBrk="0" hangingPunct="1">
-              <a:lnSpc>
-                <a:spcPct val="90000"/>
-              </a:lnSpc>
-              <a:spcBef>
-                <a:spcPts val="500"/>
-              </a:spcBef>
-              <a:buFont typeface="Arial" panose="020B0604020202020204" pitchFamily="34" charset="0"/>
-              <a:buNone/>
-              <a:defRPr sz="1600" kern="1200">
-                <a:solidFill>
-                  <a:schemeClr val="tx1"/>
-                </a:solidFill>
-                <a:latin typeface="+mn-lt"/>
-                <a:ea typeface="+mn-ea"/>
-                <a:cs typeface="+mn-cs"/>
-              </a:defRPr>
-            </a:lvl9pPr>
-          </a:lstStyle>
-          <a:p>
-            <a:pPr marL="342900" indent="-342900" algn="l">
-              <a:buFont typeface="Arial" panose="020B0604020202020204" pitchFamily="34" charset="0"/>
-              <a:buChar char="•"/>
-            </a:pPr>
-            <a:r>
-              <a:rPr lang="fr-FR" dirty="0">
                 <a:latin typeface="Inter" panose="02000503000000020004" pitchFamily="2" charset="0"/>
                 <a:ea typeface="Inter" panose="02000503000000020004" pitchFamily="2" charset="0"/>
                 <a:cs typeface="Inter" panose="02000503000000020004" pitchFamily="2" charset="0"/>
               </a:rPr>
-              <a:t>Python</a:t>
-            </a:r>
-          </a:p>
-          <a:p>
-            <a:pPr marL="342900" indent="-342900" algn="l">
-              <a:buFont typeface="Arial" panose="020B0604020202020204" pitchFamily="34" charset="0"/>
-              <a:buChar char="•"/>
-            </a:pPr>
-            <a:r>
-              <a:rPr lang="fr-FR" dirty="0">
-                <a:latin typeface="Inter" panose="02000503000000020004" pitchFamily="2" charset="0"/>
-                <a:ea typeface="Inter" panose="02000503000000020004" pitchFamily="2" charset="0"/>
-                <a:cs typeface="Inter" panose="02000503000000020004" pitchFamily="2" charset="0"/>
-              </a:rPr>
-              <a:t>Django</a:t>
-            </a:r>
-          </a:p>
-          <a:p>
-            <a:pPr marL="342900" indent="-342900" algn="l">
-              <a:buFont typeface="Arial" panose="020B0604020202020204" pitchFamily="34" charset="0"/>
-              <a:buChar char="•"/>
-            </a:pPr>
-            <a:r>
-              <a:rPr lang="fr-FR" dirty="0">
-                <a:latin typeface="Inter" panose="02000503000000020004" pitchFamily="2" charset="0"/>
-                <a:ea typeface="Inter" panose="02000503000000020004" pitchFamily="2" charset="0"/>
-                <a:cs typeface="Inter" panose="02000503000000020004" pitchFamily="2" charset="0"/>
-              </a:rPr>
-              <a:t>MySQL</a:t>
+              <a:t>Réponse aux demandes du client</a:t>
             </a:r>
           </a:p>
         </p:txBody>
@@ -4491,6 +4668,18 @@
   <p:clrMapOvr>
     <a:overrideClrMapping bg1="dk1" tx1="lt1" bg2="dk2" tx2="lt2" accent1="accent1" accent2="accent2" accent3="accent3" accent4="accent4" accent5="accent5" accent6="accent6" hlink="hlink" folHlink="folHlink"/>
   </p:clrMapOvr>
+  <mc:AlternateContent xmlns:mc="http://schemas.openxmlformats.org/markup-compatibility/2006">
+    <mc:Choice xmlns:p159="http://schemas.microsoft.com/office/powerpoint/2015/09/main" Requires="p159">
+      <p:transition xmlns:p14="http://schemas.microsoft.com/office/powerpoint/2010/main" spd="slow" p14:dur="1500">
+        <p159:morph option="byWord"/>
+      </p:transition>
+    </mc:Choice>
+    <mc:Fallback>
+      <p:transition spd="slow">
+        <p:fade/>
+      </p:transition>
+    </mc:Fallback>
+  </mc:AlternateContent>
 </p:sld>
 </file>
 
@@ -4896,7 +5085,7 @@
                 <a:ea typeface="Inter" panose="02000503000000020004" pitchFamily="2" charset="0"/>
                 <a:cs typeface="Inter" panose="02000503000000020004" pitchFamily="2" charset="0"/>
               </a:rPr>
-              <a:t>Python</a:t>
+              <a:t>Implémentation fonctionnelle d’abord</a:t>
             </a:r>
           </a:p>
           <a:p>
@@ -4910,7 +5099,7 @@
                 <a:ea typeface="Inter" panose="02000503000000020004" pitchFamily="2" charset="0"/>
                 <a:cs typeface="Inter" panose="02000503000000020004" pitchFamily="2" charset="0"/>
               </a:rPr>
-              <a:t>Django</a:t>
+              <a:t>L’ergonomie et le design viennent ensuite</a:t>
             </a:r>
           </a:p>
           <a:p>
@@ -4924,7 +5113,91 @@
                 <a:ea typeface="Inter" panose="02000503000000020004" pitchFamily="2" charset="0"/>
                 <a:cs typeface="Inter" panose="02000503000000020004" pitchFamily="2" charset="0"/>
               </a:rPr>
-              <a:t>MySQL</a:t>
+              <a:t>L’inscription au cœur de l’application</a:t>
+            </a:r>
+          </a:p>
+          <a:p>
+            <a:pPr marL="342900" indent="-342900" algn="l">
+              <a:buFont typeface="Arial" panose="020B0604020202020204" pitchFamily="34" charset="0"/>
+              <a:buChar char="•"/>
+            </a:pPr>
+            <a:r>
+              <a:rPr lang="fr-FR" dirty="0">
+                <a:latin typeface="Inter" panose="02000503000000020004" pitchFamily="2" charset="0"/>
+                <a:ea typeface="Inter" panose="02000503000000020004" pitchFamily="2" charset="0"/>
+                <a:cs typeface="Inter" panose="02000503000000020004" pitchFamily="2" charset="0"/>
+              </a:rPr>
+              <a:t>Mises à jour régulières</a:t>
+            </a:r>
+          </a:p>
+          <a:p>
+            <a:pPr marL="342900" indent="-342900" algn="l">
+              <a:buFont typeface="Arial" panose="020B0604020202020204" pitchFamily="34" charset="0"/>
+              <a:buChar char="•"/>
+            </a:pPr>
+            <a:r>
+              <a:rPr lang="fr-FR" dirty="0">
+                <a:latin typeface="Inter" panose="02000503000000020004" pitchFamily="2" charset="0"/>
+                <a:ea typeface="Inter" panose="02000503000000020004" pitchFamily="2" charset="0"/>
+                <a:cs typeface="Inter" panose="02000503000000020004" pitchFamily="2" charset="0"/>
+              </a:rPr>
+              <a:t>Modules indépendants</a:t>
+            </a:r>
+          </a:p>
+          <a:p>
+            <a:pPr marL="342900" indent="-342900" algn="l">
+              <a:buFont typeface="Arial" panose="020B0604020202020204" pitchFamily="34" charset="0"/>
+              <a:buChar char="•"/>
+            </a:pPr>
+            <a:r>
+              <a:rPr lang="fr-FR" dirty="0">
+                <a:latin typeface="Inter" panose="02000503000000020004" pitchFamily="2" charset="0"/>
+                <a:ea typeface="Inter" panose="02000503000000020004" pitchFamily="2" charset="0"/>
+                <a:cs typeface="Inter" panose="02000503000000020004" pitchFamily="2" charset="0"/>
+              </a:rPr>
+              <a:t>Maintenabilité du code et documentation</a:t>
+            </a:r>
+          </a:p>
+        </p:txBody>
+      </p:sp>
+      <p:sp>
+        <p:nvSpPr>
+          <p:cNvPr id="2" name="ZoneTexte 1">
+            <a:extLst>
+              <a:ext uri="{FF2B5EF4-FFF2-40B4-BE49-F238E27FC236}">
+                <a16:creationId xmlns:a16="http://schemas.microsoft.com/office/drawing/2014/main" id="{6D755611-7867-E98D-A21B-42DA6AF27785}"/>
+              </a:ext>
+            </a:extLst>
+          </p:cNvPr>
+          <p:cNvSpPr txBox="1"/>
+          <p:nvPr/>
+        </p:nvSpPr>
+        <p:spPr>
+          <a:xfrm>
+            <a:off x="0" y="6611779"/>
+            <a:ext cx="3461657" cy="246221"/>
+          </a:xfrm>
+          <a:prstGeom prst="rect">
+            <a:avLst/>
+          </a:prstGeom>
+          <a:noFill/>
+        </p:spPr>
+        <p:txBody>
+          <a:bodyPr wrap="square" rtlCol="0">
+            <a:spAutoFit/>
+          </a:bodyPr>
+          <a:lstStyle/>
+          <a:p>
+            <a:r>
+              <a:rPr lang="fr-FR" sz="1000" dirty="0">
+                <a:solidFill>
+                  <a:srgbClr val="0893C4"/>
+                </a:solidFill>
+                <a:latin typeface="Inter" panose="02000503000000020004" pitchFamily="2" charset="0"/>
+                <a:ea typeface="Inter" panose="02000503000000020004" pitchFamily="2" charset="0"/>
+                <a:cs typeface="Inter" panose="02000503000000020004" pitchFamily="2" charset="0"/>
+              </a:rPr>
+              <a:t>Fonctionnalités mises en place</a:t>
             </a:r>
           </a:p>
         </p:txBody>
@@ -4939,6 +5212,18 @@
   <p:clrMapOvr>
     <a:overrideClrMapping bg1="dk1" tx1="lt1" bg2="dk2" tx2="lt2" accent1="accent1" accent2="accent2" accent3="accent3" accent4="accent4" accent5="accent5" accent6="accent6" hlink="hlink" folHlink="folHlink"/>
   </p:clrMapOvr>
+  <mc:AlternateContent xmlns:mc="http://schemas.openxmlformats.org/markup-compatibility/2006">
+    <mc:Choice xmlns:p159="http://schemas.microsoft.com/office/powerpoint/2015/09/main" Requires="p159">
+      <p:transition xmlns:p14="http://schemas.microsoft.com/office/powerpoint/2010/main" spd="slow" p14:dur="1500">
+        <p159:morph option="byWord"/>
+      </p:transition>
+    </mc:Choice>
+    <mc:Fallback>
+      <p:transition spd="slow">
+        <p:fade/>
+      </p:transition>
+    </mc:Fallback>
+  </mc:AlternateContent>
 </p:sld>
 </file>
 
@@ -5344,7 +5629,7 @@
                 <a:ea typeface="Inter" panose="02000503000000020004" pitchFamily="2" charset="0"/>
                 <a:cs typeface="Inter" panose="02000503000000020004" pitchFamily="2" charset="0"/>
               </a:rPr>
-              <a:t>Python</a:t>
+              <a:t>Inscription</a:t>
             </a:r>
           </a:p>
           <a:p>
@@ -5358,7 +5643,7 @@
                 <a:ea typeface="Inter" panose="02000503000000020004" pitchFamily="2" charset="0"/>
                 <a:cs typeface="Inter" panose="02000503000000020004" pitchFamily="2" charset="0"/>
               </a:rPr>
-              <a:t>Django</a:t>
+              <a:t>Connexion et déconnexion</a:t>
             </a:r>
           </a:p>
           <a:p>
@@ -5372,7 +5657,91 @@
                 <a:ea typeface="Inter" panose="02000503000000020004" pitchFamily="2" charset="0"/>
                 <a:cs typeface="Inter" panose="02000503000000020004" pitchFamily="2" charset="0"/>
               </a:rPr>
-              <a:t>MySQL</a:t>
+              <a:t>Choix d’un créneau dans une interface moderne</a:t>
+            </a:r>
+          </a:p>
+          <a:p>
+            <a:pPr marL="342900" indent="-342900" algn="l">
+              <a:buFont typeface="Arial" panose="020B0604020202020204" pitchFamily="34" charset="0"/>
+              <a:buChar char="•"/>
+            </a:pPr>
+            <a:r>
+              <a:rPr lang="fr-FR" dirty="0">
+                <a:latin typeface="Inter" panose="02000503000000020004" pitchFamily="2" charset="0"/>
+                <a:ea typeface="Inter" panose="02000503000000020004" pitchFamily="2" charset="0"/>
+                <a:cs typeface="Inter" panose="02000503000000020004" pitchFamily="2" charset="0"/>
+              </a:rPr>
+              <a:t>Reprise d’inscription</a:t>
+            </a:r>
+          </a:p>
+          <a:p>
+            <a:pPr marL="342900" indent="-342900" algn="l">
+              <a:buFont typeface="Arial" panose="020B0604020202020204" pitchFamily="34" charset="0"/>
+              <a:buChar char="•"/>
+            </a:pPr>
+            <a:r>
+              <a:rPr lang="fr-FR" dirty="0">
+                <a:latin typeface="Inter" panose="02000503000000020004" pitchFamily="2" charset="0"/>
+                <a:ea typeface="Inter" panose="02000503000000020004" pitchFamily="2" charset="0"/>
+                <a:cs typeface="Inter" panose="02000503000000020004" pitchFamily="2" charset="0"/>
+              </a:rPr>
+              <a:t>Modifications d’informations</a:t>
+            </a:r>
+          </a:p>
+          <a:p>
+            <a:pPr marL="342900" indent="-342900" algn="l">
+              <a:buFont typeface="Arial" panose="020B0604020202020204" pitchFamily="34" charset="0"/>
+              <a:buChar char="•"/>
+            </a:pPr>
+            <a:r>
+              <a:rPr lang="fr-FR" dirty="0">
+                <a:latin typeface="Inter" panose="02000503000000020004" pitchFamily="2" charset="0"/>
+                <a:ea typeface="Inter" panose="02000503000000020004" pitchFamily="2" charset="0"/>
+                <a:cs typeface="Inter" panose="02000503000000020004" pitchFamily="2" charset="0"/>
+              </a:rPr>
+              <a:t>Visualisation de son créneau</a:t>
+            </a:r>
+          </a:p>
+        </p:txBody>
+      </p:sp>
+      <p:sp>
+        <p:nvSpPr>
+          <p:cNvPr id="2" name="ZoneTexte 1">
+            <a:extLst>
+              <a:ext uri="{FF2B5EF4-FFF2-40B4-BE49-F238E27FC236}">
+                <a16:creationId xmlns:a16="http://schemas.microsoft.com/office/drawing/2014/main" id="{9B1F040E-2031-19FA-BFD7-294BCD95E101}"/>
+              </a:ext>
+            </a:extLst>
+          </p:cNvPr>
+          <p:cNvSpPr txBox="1"/>
+          <p:nvPr/>
+        </p:nvSpPr>
+        <p:spPr>
+          <a:xfrm>
+            <a:off x="0" y="6611779"/>
+            <a:ext cx="3461657" cy="246221"/>
+          </a:xfrm>
+          <a:prstGeom prst="rect">
+            <a:avLst/>
+          </a:prstGeom>
+          <a:noFill/>
+        </p:spPr>
+        <p:txBody>
+          <a:bodyPr wrap="square" rtlCol="0">
+            <a:spAutoFit/>
+          </a:bodyPr>
+          <a:lstStyle/>
+          <a:p>
+            <a:r>
+              <a:rPr lang="fr-FR" sz="1000" dirty="0">
+                <a:solidFill>
+                  <a:srgbClr val="0893C4"/>
+                </a:solidFill>
+                <a:latin typeface="Inter" panose="02000503000000020004" pitchFamily="2" charset="0"/>
+                <a:ea typeface="Inter" panose="02000503000000020004" pitchFamily="2" charset="0"/>
+                <a:cs typeface="Inter" panose="02000503000000020004" pitchFamily="2" charset="0"/>
+              </a:rPr>
+              <a:t>Défis à surmonter</a:t>
             </a:r>
           </a:p>
         </p:txBody>
@@ -5387,6 +5756,18 @@
   <p:clrMapOvr>
     <a:overrideClrMapping bg1="dk1" tx1="lt1" bg2="dk2" tx2="lt2" accent1="accent1" accent2="accent2" accent3="accent3" accent4="accent4" accent5="accent5" accent6="accent6" hlink="hlink" folHlink="folHlink"/>
   </p:clrMapOvr>
+  <mc:AlternateContent xmlns:mc="http://schemas.openxmlformats.org/markup-compatibility/2006">
+    <mc:Choice xmlns:p159="http://schemas.microsoft.com/office/powerpoint/2015/09/main" Requires="p159">
+      <p:transition xmlns:p14="http://schemas.microsoft.com/office/powerpoint/2010/main" spd="slow" p14:dur="1500">
+        <p159:morph option="byWord"/>
+      </p:transition>
+    </mc:Choice>
+    <mc:Fallback>
+      <p:transition spd="slow">
+        <p:fade/>
+      </p:transition>
+    </mc:Fallback>
+  </mc:AlternateContent>
 </p:sld>
 </file>
 
@@ -5792,7 +6173,7 @@
                 <a:ea typeface="Inter" panose="02000503000000020004" pitchFamily="2" charset="0"/>
                 <a:cs typeface="Inter" panose="02000503000000020004" pitchFamily="2" charset="0"/>
               </a:rPr>
-              <a:t>Python</a:t>
+              <a:t>Apprentissage d’un framework</a:t>
             </a:r>
           </a:p>
           <a:p>
@@ -5806,7 +6187,7 @@
                 <a:ea typeface="Inter" panose="02000503000000020004" pitchFamily="2" charset="0"/>
                 <a:cs typeface="Inter" panose="02000503000000020004" pitchFamily="2" charset="0"/>
               </a:rPr>
-              <a:t>Django</a:t>
+              <a:t>Travail avec Jira</a:t>
             </a:r>
           </a:p>
           <a:p>
@@ -5820,7 +6201,77 @@
                 <a:ea typeface="Inter" panose="02000503000000020004" pitchFamily="2" charset="0"/>
                 <a:cs typeface="Inter" panose="02000503000000020004" pitchFamily="2" charset="0"/>
               </a:rPr>
-              <a:t>MySQL</a:t>
+              <a:t>Ampleur du projet</a:t>
+            </a:r>
+          </a:p>
+          <a:p>
+            <a:pPr marL="342900" indent="-342900" algn="l">
+              <a:buFont typeface="Arial" panose="020B0604020202020204" pitchFamily="34" charset="0"/>
+              <a:buChar char="•"/>
+            </a:pPr>
+            <a:r>
+              <a:rPr lang="fr-FR" dirty="0">
+                <a:latin typeface="Inter" panose="02000503000000020004" pitchFamily="2" charset="0"/>
+                <a:ea typeface="Inter" panose="02000503000000020004" pitchFamily="2" charset="0"/>
+                <a:cs typeface="Inter" panose="02000503000000020004" pitchFamily="2" charset="0"/>
+              </a:rPr>
+              <a:t>Répartition des tâches</a:t>
+            </a:r>
+          </a:p>
+          <a:p>
+            <a:pPr marL="342900" indent="-342900" algn="l">
+              <a:buFont typeface="Arial" panose="020B0604020202020204" pitchFamily="34" charset="0"/>
+              <a:buChar char="•"/>
+            </a:pPr>
+            <a:r>
+              <a:rPr lang="fr-FR" dirty="0">
+                <a:latin typeface="Inter" panose="02000503000000020004" pitchFamily="2" charset="0"/>
+                <a:ea typeface="Inter" panose="02000503000000020004" pitchFamily="2" charset="0"/>
+                <a:cs typeface="Inter" panose="02000503000000020004" pitchFamily="2" charset="0"/>
+              </a:rPr>
+              <a:t>Réactivité face aux changements et aux erreurs</a:t>
+            </a:r>
+          </a:p>
+        </p:txBody>
+      </p:sp>
+      <p:sp>
+        <p:nvSpPr>
+          <p:cNvPr id="2" name="ZoneTexte 1">
+            <a:extLst>
+              <a:ext uri="{FF2B5EF4-FFF2-40B4-BE49-F238E27FC236}">
+                <a16:creationId xmlns:a16="http://schemas.microsoft.com/office/drawing/2014/main" id="{FDA6BEF3-7492-2556-B6EE-02558B288959}"/>
+              </a:ext>
+            </a:extLst>
+          </p:cNvPr>
+          <p:cNvSpPr txBox="1"/>
+          <p:nvPr/>
+        </p:nvSpPr>
+        <p:spPr>
+          <a:xfrm>
+            <a:off x="0" y="6611779"/>
+            <a:ext cx="3461657" cy="246221"/>
+          </a:xfrm>
+          <a:prstGeom prst="rect">
+            <a:avLst/>
+          </a:prstGeom>
+          <a:noFill/>
+        </p:spPr>
+        <p:txBody>
+          <a:bodyPr wrap="square" rtlCol="0">
+            <a:spAutoFit/>
+          </a:bodyPr>
+          <a:lstStyle/>
+          <a:p>
+            <a:r>
+              <a:rPr lang="fr-FR" sz="1000" dirty="0">
+                <a:solidFill>
+                  <a:srgbClr val="0893C4"/>
+                </a:solidFill>
+                <a:latin typeface="Inter" panose="02000503000000020004" pitchFamily="2" charset="0"/>
+                <a:ea typeface="Inter" panose="02000503000000020004" pitchFamily="2" charset="0"/>
+                <a:cs typeface="Inter" panose="02000503000000020004" pitchFamily="2" charset="0"/>
+              </a:rPr>
+              <a:t>Prochainement… </a:t>
             </a:r>
           </a:p>
         </p:txBody>
@@ -5835,6 +6286,18 @@
   <p:clrMapOvr>
     <a:overrideClrMapping bg1="dk1" tx1="lt1" bg2="dk2" tx2="lt2" accent1="accent1" accent2="accent2" accent3="accent3" accent4="accent4" accent5="accent5" accent6="accent6" hlink="hlink" folHlink="folHlink"/>
   </p:clrMapOvr>
+  <mc:AlternateContent xmlns:mc="http://schemas.openxmlformats.org/markup-compatibility/2006">
+    <mc:Choice xmlns:p159="http://schemas.microsoft.com/office/powerpoint/2015/09/main" Requires="p159">
+      <p:transition xmlns:p14="http://schemas.microsoft.com/office/powerpoint/2010/main" spd="slow" p14:dur="1500">
+        <p159:morph option="byWord"/>
+      </p:transition>
+    </mc:Choice>
+    <mc:Fallback>
+      <p:transition spd="slow">
+        <p:fade/>
+      </p:transition>
+    </mc:Fallback>
+  </mc:AlternateContent>
 </p:sld>
 </file>
 
@@ -6240,7 +6703,7 @@
                 <a:ea typeface="Inter" panose="02000503000000020004" pitchFamily="2" charset="0"/>
                 <a:cs typeface="Inter" panose="02000503000000020004" pitchFamily="2" charset="0"/>
               </a:rPr>
-              <a:t>Python</a:t>
+              <a:t>Liste d’attente</a:t>
             </a:r>
           </a:p>
           <a:p>
@@ -6254,7 +6717,7 @@
                 <a:ea typeface="Inter" panose="02000503000000020004" pitchFamily="2" charset="0"/>
                 <a:cs typeface="Inter" panose="02000503000000020004" pitchFamily="2" charset="0"/>
               </a:rPr>
-              <a:t>Django</a:t>
+              <a:t>Partie admin</a:t>
             </a:r>
           </a:p>
           <a:p>
@@ -6268,7 +6731,91 @@
                 <a:ea typeface="Inter" panose="02000503000000020004" pitchFamily="2" charset="0"/>
                 <a:cs typeface="Inter" panose="02000503000000020004" pitchFamily="2" charset="0"/>
               </a:rPr>
-              <a:t>MySQL</a:t>
+              <a:t>Export en CSV</a:t>
+            </a:r>
+          </a:p>
+          <a:p>
+            <a:pPr marL="342900" indent="-342900" algn="l">
+              <a:buFont typeface="Arial" panose="020B0604020202020204" pitchFamily="34" charset="0"/>
+              <a:buChar char="•"/>
+            </a:pPr>
+            <a:r>
+              <a:rPr lang="fr-FR" dirty="0">
+                <a:latin typeface="Inter" panose="02000503000000020004" pitchFamily="2" charset="0"/>
+                <a:ea typeface="Inter" panose="02000503000000020004" pitchFamily="2" charset="0"/>
+                <a:cs typeface="Inter" panose="02000503000000020004" pitchFamily="2" charset="0"/>
+              </a:rPr>
+              <a:t>Envoi de mails de confirmation</a:t>
+            </a:r>
+          </a:p>
+          <a:p>
+            <a:pPr marL="342900" indent="-342900" algn="l">
+              <a:buFont typeface="Arial" panose="020B0604020202020204" pitchFamily="34" charset="0"/>
+              <a:buChar char="•"/>
+            </a:pPr>
+            <a:r>
+              <a:rPr lang="fr-FR" dirty="0">
+                <a:latin typeface="Inter" panose="02000503000000020004" pitchFamily="2" charset="0"/>
+                <a:ea typeface="Inter" panose="02000503000000020004" pitchFamily="2" charset="0"/>
+                <a:cs typeface="Inter" panose="02000503000000020004" pitchFamily="2" charset="0"/>
+              </a:rPr>
+              <a:t>Design complet</a:t>
+            </a:r>
+          </a:p>
+          <a:p>
+            <a:pPr marL="342900" indent="-342900" algn="l">
+              <a:buFont typeface="Arial" panose="020B0604020202020204" pitchFamily="34" charset="0"/>
+              <a:buChar char="•"/>
+            </a:pPr>
+            <a:r>
+              <a:rPr lang="fr-FR" dirty="0">
+                <a:latin typeface="Inter" panose="02000503000000020004" pitchFamily="2" charset="0"/>
+                <a:ea typeface="Inter" panose="02000503000000020004" pitchFamily="2" charset="0"/>
+                <a:cs typeface="Inter" panose="02000503000000020004" pitchFamily="2" charset="0"/>
+              </a:rPr>
+              <a:t>Déploiement facile</a:t>
+            </a:r>
+          </a:p>
+        </p:txBody>
+      </p:sp>
+      <p:sp>
+        <p:nvSpPr>
+          <p:cNvPr id="2" name="ZoneTexte 1">
+            <a:extLst>
+              <a:ext uri="{FF2B5EF4-FFF2-40B4-BE49-F238E27FC236}">
+                <a16:creationId xmlns:a16="http://schemas.microsoft.com/office/drawing/2014/main" id="{FEE3E7AB-65B2-520F-7AD7-15B533242DAD}"/>
+              </a:ext>
+            </a:extLst>
+          </p:cNvPr>
+          <p:cNvSpPr txBox="1"/>
+          <p:nvPr/>
+        </p:nvSpPr>
+        <p:spPr>
+          <a:xfrm>
+            <a:off x="0" y="6611779"/>
+            <a:ext cx="3461657" cy="246221"/>
+          </a:xfrm>
+          <a:prstGeom prst="rect">
+            <a:avLst/>
+          </a:prstGeom>
+          <a:noFill/>
+        </p:spPr>
+        <p:txBody>
+          <a:bodyPr wrap="square" rtlCol="0">
+            <a:spAutoFit/>
+          </a:bodyPr>
+          <a:lstStyle/>
+          <a:p>
+            <a:r>
+              <a:rPr lang="fr-FR" sz="1000" dirty="0">
+                <a:solidFill>
+                  <a:srgbClr val="0893C4"/>
+                </a:solidFill>
+                <a:latin typeface="Inter" panose="02000503000000020004" pitchFamily="2" charset="0"/>
+                <a:ea typeface="Inter" panose="02000503000000020004" pitchFamily="2" charset="0"/>
+                <a:cs typeface="Inter" panose="02000503000000020004" pitchFamily="2" charset="0"/>
+              </a:rPr>
+              <a:t>Merci de votre attention</a:t>
             </a:r>
           </a:p>
         </p:txBody>
@@ -6283,6 +6830,339 @@
   <p:clrMapOvr>
     <a:overrideClrMapping bg1="dk1" tx1="lt1" bg2="dk2" tx2="lt2" accent1="accent1" accent2="accent2" accent3="accent3" accent4="accent4" accent5="accent5" accent6="accent6" hlink="hlink" folHlink="folHlink"/>
   </p:clrMapOvr>
+  <mc:AlternateContent xmlns:mc="http://schemas.openxmlformats.org/markup-compatibility/2006">
+    <mc:Choice xmlns:p159="http://schemas.microsoft.com/office/powerpoint/2015/09/main" Requires="p159">
+      <p:transition xmlns:p14="http://schemas.microsoft.com/office/powerpoint/2010/main" spd="slow" p14:dur="1500">
+        <p159:morph option="byWord"/>
+      </p:transition>
+    </mc:Choice>
+    <mc:Fallback>
+      <p:transition spd="slow">
+        <p:fade/>
+      </p:transition>
+    </mc:Fallback>
+  </mc:AlternateContent>
+</p:sld>
+</file>
+
+<file path=ppt/slides/slide8.xml><?xml version="1.0" encoding="utf-8"?>
+<p:sld xmlns:a="http://schemas.openxmlformats.org/drawingml/2006/main" xmlns:r="http://schemas.openxmlformats.org/officeDocument/2006/relationships" xmlns:p="http://schemas.openxmlformats.org/presentationml/2006/main">
+  <p:cSld>
+    <p:bg>
+      <p:bgPr>
+        <a:solidFill>
+          <a:srgbClr val="000000"/>
+        </a:solidFill>
+        <a:effectLst/>
+      </p:bgPr>
+    </p:bg>
+    <p:spTree>
+      <p:nvGrpSpPr>
+        <p:cNvPr id="1" name=""/>
+        <p:cNvGrpSpPr/>
+        <p:nvPr/>
+      </p:nvGrpSpPr>
+      <p:grpSpPr>
+        <a:xfrm>
+          <a:off x="0" y="0"/>
+          <a:ext cx="0" cy="0"/>
+          <a:chOff x="0" y="0"/>
+          <a:chExt cx="0" cy="0"/>
+        </a:xfrm>
+      </p:grpSpPr>
+      <p:sp>
+        <p:nvSpPr>
+          <p:cNvPr id="23" name="Rectangle 22">
+            <a:extLst>
+              <a:ext uri="{FF2B5EF4-FFF2-40B4-BE49-F238E27FC236}">
+                <a16:creationId xmlns:a16="http://schemas.microsoft.com/office/drawing/2014/main" id="{71B2258F-86CA-4D4D-8270-BC05FCDEBFB3}"/>
+              </a:ext>
+              <a:ext uri="{C183D7F6-B498-43B3-948B-1728B52AA6E4}">
+                <adec:decorative xmlns:adec="http://schemas.microsoft.com/office/drawing/2017/decorative" val="1"/>
+              </a:ext>
+            </a:extLst>
+          </p:cNvPr>
+          <p:cNvSpPr>
+            <a:spLocks noGrp="1" noRot="1" noChangeAspect="1" noMove="1" noResize="1" noEditPoints="1" noAdjustHandles="1" noChangeArrowheads="1" noChangeShapeType="1" noTextEdit="1"/>
+          </p:cNvSpPr>
+          <p:nvPr>
+            <p:extLst>
+              <p:ext uri="{386F3935-93C4-4BCD-93E2-E3B085C9AB24}">
+                <p16:designElem xmlns:p16="http://schemas.microsoft.com/office/powerpoint/2015/main" val="1"/>
+              </p:ext>
+            </p:extLst>
+          </p:nvPr>
+        </p:nvSpPr>
+        <p:spPr>
+          <a:xfrm>
+            <a:off x="0" y="0"/>
+            <a:ext cx="12192000" cy="6857999"/>
+          </a:xfrm>
+          <a:prstGeom prst="rect">
+            <a:avLst/>
+          </a:prstGeom>
+          <a:solidFill>
+            <a:srgbClr val="000000"/>
+          </a:solidFill>
+          <a:ln>
+            <a:noFill/>
+          </a:ln>
+          <a:effectLst>
+            <a:glow>
+              <a:srgbClr val="000000"/>
+            </a:glow>
+          </a:effectLst>
+        </p:spPr>
+        <p:style>
+          <a:lnRef idx="2">
+            <a:schemeClr val="accent1">
+              <a:shade val="50000"/>
+            </a:schemeClr>
+          </a:lnRef>
+          <a:fillRef idx="1">
+            <a:schemeClr val="accent1"/>
+          </a:fillRef>
+          <a:effectRef idx="0">
+            <a:schemeClr val="accent1"/>
+          </a:effectRef>
+          <a:fontRef idx="minor">
+            <a:schemeClr val="lt1"/>
+          </a:fontRef>
+        </p:style>
+        <p:txBody>
+          <a:bodyPr rtlCol="0" anchor="ctr"/>
+          <a:lstStyle/>
+          <a:p>
+            <a:pPr algn="ctr"/>
+            <a:endParaRPr lang="en-US"/>
+          </a:p>
+        </p:txBody>
+      </p:sp>
+      <p:pic>
+        <p:nvPicPr>
+          <p:cNvPr id="7" name="Picture 4">
+            <a:extLst>
+              <a:ext uri="{FF2B5EF4-FFF2-40B4-BE49-F238E27FC236}">
+                <a16:creationId xmlns:a16="http://schemas.microsoft.com/office/drawing/2014/main" id="{9514343A-5BA6-74EA-39B0-91871BF03FEF}"/>
+              </a:ext>
+            </a:extLst>
+          </p:cNvPr>
+          <p:cNvPicPr>
+            <a:picLocks noChangeAspect="1"/>
+          </p:cNvPicPr>
+          <p:nvPr/>
+        </p:nvPicPr>
+        <p:blipFill rotWithShape="1">
+          <a:blip r:embed="rId2">
+            <a:alphaModFix amt="31000"/>
+          </a:blip>
+          <a:srcRect t="14226" b="27332"/>
+          <a:stretch/>
+        </p:blipFill>
+        <p:spPr>
+          <a:xfrm>
+            <a:off x="20" y="10"/>
+            <a:ext cx="12191980" cy="6857990"/>
+          </a:xfrm>
+          <a:prstGeom prst="rect">
+            <a:avLst/>
+          </a:prstGeom>
+          <a:ln/>
+          <a:effectLst>
+            <a:glow>
+              <a:srgbClr val="000000"/>
+            </a:glow>
+          </a:effectLst>
+        </p:spPr>
+      </p:pic>
+      <p:sp>
+        <p:nvSpPr>
+          <p:cNvPr id="2" name="Titre 1">
+            <a:extLst>
+              <a:ext uri="{FF2B5EF4-FFF2-40B4-BE49-F238E27FC236}">
+                <a16:creationId xmlns:a16="http://schemas.microsoft.com/office/drawing/2014/main" id="{8D997D33-200C-4D88-5F35-8B38B528DAB6}"/>
+              </a:ext>
+            </a:extLst>
+          </p:cNvPr>
+          <p:cNvSpPr>
+            <a:spLocks noGrp="1"/>
+          </p:cNvSpPr>
+          <p:nvPr>
+            <p:ph type="ctrTitle"/>
+          </p:nvPr>
+        </p:nvSpPr>
+        <p:spPr>
+          <a:xfrm>
+            <a:off x="1524000" y="1122362"/>
+            <a:ext cx="9144000" cy="2900518"/>
+          </a:xfrm>
+          <a:ln/>
+          <a:effectLst>
+            <a:glow>
+              <a:srgbClr val="000000"/>
+            </a:glow>
+          </a:effectLst>
+        </p:spPr>
+        <p:txBody>
+          <a:bodyPr>
+            <a:normAutofit/>
+          </a:bodyPr>
+          <a:lstStyle/>
+          <a:p>
+            <a:r>
+              <a:rPr lang="fr-FR" dirty="0">
+                <a:solidFill>
+                  <a:srgbClr val="FFFFFF"/>
+                </a:solidFill>
+                <a:latin typeface="Inter" panose="02000503000000020004" pitchFamily="2" charset="0"/>
+                <a:ea typeface="Inter" panose="02000503000000020004" pitchFamily="2" charset="0"/>
+                <a:cs typeface="Inter" panose="02000503000000020004" pitchFamily="2" charset="0"/>
+              </a:rPr>
+              <a:t>Merci de votre attention</a:t>
+            </a:r>
+          </a:p>
+        </p:txBody>
+      </p:sp>
+    </p:spTree>
+    <p:extLst>
+      <p:ext uri="{BB962C8B-B14F-4D97-AF65-F5344CB8AC3E}">
+        <p14:creationId xmlns:p14="http://schemas.microsoft.com/office/powerpoint/2010/main" val="354968734"/>
+      </p:ext>
+    </p:extLst>
+  </p:cSld>
+  <p:clrMapOvr>
+    <a:overrideClrMapping bg1="dk1" tx1="lt1" bg2="dk2" tx2="lt2" accent1="accent1" accent2="accent2" accent3="accent3" accent4="accent4" accent5="accent5" accent6="accent6" hlink="hlink" folHlink="folHlink"/>
+  </p:clrMapOvr>
+  <mc:AlternateContent xmlns:mc="http://schemas.openxmlformats.org/markup-compatibility/2006">
+    <mc:Choice xmlns:p159="http://schemas.microsoft.com/office/powerpoint/2015/09/main" Requires="p159">
+      <p:transition xmlns:p14="http://schemas.microsoft.com/office/powerpoint/2010/main" spd="slow" p14:dur="1500">
+        <p159:morph option="byWord"/>
+      </p:transition>
+    </mc:Choice>
+    <mc:Fallback>
+      <p:transition spd="slow">
+        <p:fade/>
+      </p:transition>
+    </mc:Fallback>
+  </mc:AlternateContent>
+</p:sld>
+</file>
+
+<file path=ppt/slides/slide9.xml><?xml version="1.0" encoding="utf-8"?>
+<p:sld xmlns:a="http://schemas.openxmlformats.org/drawingml/2006/main" xmlns:r="http://schemas.openxmlformats.org/officeDocument/2006/relationships" xmlns:p="http://schemas.openxmlformats.org/presentationml/2006/main">
+  <p:cSld>
+    <p:bg>
+      <p:bgPr>
+        <a:solidFill>
+          <a:srgbClr val="000000"/>
+        </a:solidFill>
+        <a:effectLst/>
+      </p:bgPr>
+    </p:bg>
+    <p:spTree>
+      <p:nvGrpSpPr>
+        <p:cNvPr id="1" name=""/>
+        <p:cNvGrpSpPr/>
+        <p:nvPr/>
+      </p:nvGrpSpPr>
+      <p:grpSpPr>
+        <a:xfrm>
+          <a:off x="0" y="0"/>
+          <a:ext cx="0" cy="0"/>
+          <a:chOff x="0" y="0"/>
+          <a:chExt cx="0" cy="0"/>
+        </a:xfrm>
+      </p:grpSpPr>
+      <p:sp>
+        <p:nvSpPr>
+          <p:cNvPr id="23" name="Rectangle 22">
+            <a:extLst>
+              <a:ext uri="{FF2B5EF4-FFF2-40B4-BE49-F238E27FC236}">
+                <a16:creationId xmlns:a16="http://schemas.microsoft.com/office/drawing/2014/main" id="{71B2258F-86CA-4D4D-8270-BC05FCDEBFB3}"/>
+              </a:ext>
+              <a:ext uri="{C183D7F6-B498-43B3-948B-1728B52AA6E4}">
+                <adec:decorative xmlns:adec="http://schemas.microsoft.com/office/drawing/2017/decorative" val="1"/>
+              </a:ext>
+            </a:extLst>
+          </p:cNvPr>
+          <p:cNvSpPr>
+            <a:spLocks noGrp="1" noRot="1" noChangeAspect="1" noMove="1" noResize="1" noEditPoints="1" noAdjustHandles="1" noChangeArrowheads="1" noChangeShapeType="1" noTextEdit="1"/>
+          </p:cNvSpPr>
+          <p:nvPr>
+            <p:extLst>
+              <p:ext uri="{386F3935-93C4-4BCD-93E2-E3B085C9AB24}">
+                <p16:designElem xmlns:p16="http://schemas.microsoft.com/office/powerpoint/2015/main" val="1"/>
+              </p:ext>
+            </p:extLst>
+          </p:nvPr>
+        </p:nvSpPr>
+        <p:spPr>
+          <a:xfrm>
+            <a:off x="0" y="0"/>
+            <a:ext cx="12192000" cy="6857999"/>
+          </a:xfrm>
+          <a:prstGeom prst="rect">
+            <a:avLst/>
+          </a:prstGeom>
+          <a:solidFill>
+            <a:srgbClr val="000000"/>
+          </a:solidFill>
+          <a:ln>
+            <a:noFill/>
+          </a:ln>
+          <a:effectLst>
+            <a:glow>
+              <a:srgbClr val="000000"/>
+            </a:glow>
+          </a:effectLst>
+        </p:spPr>
+        <p:style>
+          <a:lnRef idx="2">
+            <a:schemeClr val="accent1">
+              <a:shade val="50000"/>
+            </a:schemeClr>
+          </a:lnRef>
+          <a:fillRef idx="1">
+            <a:schemeClr val="accent1"/>
+          </a:fillRef>
+          <a:effectRef idx="0">
+            <a:schemeClr val="accent1"/>
+          </a:effectRef>
+          <a:fontRef idx="minor">
+            <a:schemeClr val="lt1"/>
+          </a:fontRef>
+        </p:style>
+        <p:txBody>
+          <a:bodyPr rtlCol="0" anchor="ctr"/>
+          <a:lstStyle/>
+          <a:p>
+            <a:pPr algn="ctr"/>
+            <a:endParaRPr lang="en-US"/>
+          </a:p>
+        </p:txBody>
+      </p:sp>
+    </p:spTree>
+    <p:extLst>
+      <p:ext uri="{BB962C8B-B14F-4D97-AF65-F5344CB8AC3E}">
+        <p14:creationId xmlns:p14="http://schemas.microsoft.com/office/powerpoint/2010/main" val="653178244"/>
+      </p:ext>
+    </p:extLst>
+  </p:cSld>
+  <p:clrMapOvr>
+    <a:overrideClrMapping bg1="dk1" tx1="lt1" bg2="dk2" tx2="lt2" accent1="accent1" accent2="accent2" accent3="accent3" accent4="accent4" accent5="accent5" accent6="accent6" hlink="hlink" folHlink="folHlink"/>
+  </p:clrMapOvr>
+  <mc:AlternateContent xmlns:mc="http://schemas.openxmlformats.org/markup-compatibility/2006">
+    <mc:Choice xmlns:p159="http://schemas.microsoft.com/office/powerpoint/2015/09/main" Requires="p159">
+      <p:transition xmlns:p14="http://schemas.microsoft.com/office/powerpoint/2010/main" spd="slow" p14:dur="1500">
+        <p159:morph option="byWord"/>
+      </p:transition>
+    </mc:Choice>
+    <mc:Fallback>
+      <p:transition spd="slow">
+        <p:fade/>
+      </p:transition>
+    </mc:Fallback>
+  </mc:AlternateContent>
 </p:sld>
 </file>
 
